--- a/LLM/材料力学/LLM_濾過器設計のための材料力学概論1(阿部).pptx
+++ b/LLM/材料力学/LLM_濾過器設計のための材料力学概論1(阿部).pptx
@@ -5,17 +5,18 @@
     <p:sldMasterId id="2147483648" r:id="rId4"/>
   </p:sldMasterIdLst>
   <p:notesMasterIdLst>
-    <p:notesMasterId r:id="rId13"/>
+    <p:notesMasterId r:id="rId14"/>
   </p:notesMasterIdLst>
   <p:sldIdLst>
     <p:sldId id="256" r:id="rId5"/>
-    <p:sldId id="286" r:id="rId6"/>
-    <p:sldId id="290" r:id="rId7"/>
-    <p:sldId id="289" r:id="rId8"/>
-    <p:sldId id="287" r:id="rId9"/>
-    <p:sldId id="288" r:id="rId10"/>
-    <p:sldId id="291" r:id="rId11"/>
-    <p:sldId id="292" r:id="rId12"/>
+    <p:sldId id="293" r:id="rId6"/>
+    <p:sldId id="286" r:id="rId7"/>
+    <p:sldId id="290" r:id="rId8"/>
+    <p:sldId id="289" r:id="rId9"/>
+    <p:sldId id="287" r:id="rId10"/>
+    <p:sldId id="288" r:id="rId11"/>
+    <p:sldId id="291" r:id="rId12"/>
+    <p:sldId id="292" r:id="rId13"/>
   </p:sldIdLst>
   <p:sldSz cx="12192000" cy="6858000"/>
   <p:notesSz cx="6742113" cy="9875838"/>
@@ -219,7 +220,7 @@
           <a:p>
             <a:fld id="{1526024B-BC2D-4A8F-92CD-6BF7BA6A23AC}" type="datetimeFigureOut">
               <a:rPr kumimoji="1" lang="ja-JP" altLang="en-US" smtClean="0"/>
-              <a:t>2021/1/15</a:t>
+              <a:t>2021/1/18</a:t>
             </a:fld>
             <a:endParaRPr kumimoji="1" lang="ja-JP" altLang="en-US"/>
           </a:p>
@@ -665,7 +666,7 @@
           <a:p>
             <a:fld id="{97763C8A-55E1-42D8-BA3E-9B8EFAB398F7}" type="datetimeFigureOut">
               <a:rPr kumimoji="1" lang="ja-JP" altLang="en-US" smtClean="0"/>
-              <a:t>2021/1/15</a:t>
+              <a:t>2021/1/18</a:t>
             </a:fld>
             <a:endParaRPr kumimoji="1" lang="ja-JP" altLang="en-US"/>
           </a:p>
@@ -960,7 +961,7 @@
           <a:p>
             <a:fld id="{97763C8A-55E1-42D8-BA3E-9B8EFAB398F7}" type="datetimeFigureOut">
               <a:rPr kumimoji="1" lang="ja-JP" altLang="en-US" smtClean="0"/>
-              <a:t>2021/1/15</a:t>
+              <a:t>2021/1/18</a:t>
             </a:fld>
             <a:endParaRPr kumimoji="1" lang="ja-JP" altLang="en-US"/>
           </a:p>
@@ -1260,7 +1261,7 @@
           <a:p>
             <a:fld id="{97763C8A-55E1-42D8-BA3E-9B8EFAB398F7}" type="datetimeFigureOut">
               <a:rPr kumimoji="1" lang="ja-JP" altLang="en-US" smtClean="0"/>
-              <a:t>2021/1/15</a:t>
+              <a:t>2021/1/18</a:t>
             </a:fld>
             <a:endParaRPr kumimoji="1" lang="ja-JP" altLang="en-US"/>
           </a:p>
@@ -1473,7 +1474,7 @@
           <a:p>
             <a:fld id="{97763C8A-55E1-42D8-BA3E-9B8EFAB398F7}" type="datetimeFigureOut">
               <a:rPr kumimoji="1" lang="ja-JP" altLang="en-US" smtClean="0"/>
-              <a:t>2021/1/15</a:t>
+              <a:t>2021/1/18</a:t>
             </a:fld>
             <a:endParaRPr kumimoji="1" lang="ja-JP" altLang="en-US"/>
           </a:p>
@@ -1985,7 +1986,7 @@
           <a:p>
             <a:fld id="{97763C8A-55E1-42D8-BA3E-9B8EFAB398F7}" type="datetimeFigureOut">
               <a:rPr kumimoji="1" lang="ja-JP" altLang="en-US" smtClean="0"/>
-              <a:t>2021/1/15</a:t>
+              <a:t>2021/1/18</a:t>
             </a:fld>
             <a:endParaRPr kumimoji="1" lang="ja-JP" altLang="en-US"/>
           </a:p>
@@ -2506,7 +2507,7 @@
           <a:p>
             <a:fld id="{97763C8A-55E1-42D8-BA3E-9B8EFAB398F7}" type="datetimeFigureOut">
               <a:rPr kumimoji="1" lang="ja-JP" altLang="en-US" smtClean="0"/>
-              <a:t>2021/1/15</a:t>
+              <a:t>2021/1/18</a:t>
             </a:fld>
             <a:endParaRPr kumimoji="1" lang="ja-JP" altLang="en-US"/>
           </a:p>
@@ -3174,7 +3175,7 @@
           <a:p>
             <a:fld id="{97763C8A-55E1-42D8-BA3E-9B8EFAB398F7}" type="datetimeFigureOut">
               <a:rPr kumimoji="1" lang="ja-JP" altLang="en-US" smtClean="0"/>
-              <a:t>2021/1/15</a:t>
+              <a:t>2021/1/18</a:t>
             </a:fld>
             <a:endParaRPr kumimoji="1" lang="ja-JP" altLang="en-US"/>
           </a:p>
@@ -3507,7 +3508,7 @@
           <a:p>
             <a:fld id="{97763C8A-55E1-42D8-BA3E-9B8EFAB398F7}" type="datetimeFigureOut">
               <a:rPr kumimoji="1" lang="ja-JP" altLang="en-US" smtClean="0"/>
-              <a:t>2021/1/15</a:t>
+              <a:t>2021/1/18</a:t>
             </a:fld>
             <a:endParaRPr kumimoji="1" lang="ja-JP" altLang="en-US"/>
           </a:p>
@@ -3812,7 +3813,7 @@
           <a:p>
             <a:fld id="{97763C8A-55E1-42D8-BA3E-9B8EFAB398F7}" type="datetimeFigureOut">
               <a:rPr kumimoji="1" lang="ja-JP" altLang="en-US" smtClean="0"/>
-              <a:t>2021/1/15</a:t>
+              <a:t>2021/1/18</a:t>
             </a:fld>
             <a:endParaRPr kumimoji="1" lang="ja-JP" altLang="en-US"/>
           </a:p>
@@ -4347,7 +4348,7 @@
           <a:p>
             <a:fld id="{97763C8A-55E1-42D8-BA3E-9B8EFAB398F7}" type="datetimeFigureOut">
               <a:rPr kumimoji="1" lang="ja-JP" altLang="en-US" smtClean="0"/>
-              <a:t>2021/1/15</a:t>
+              <a:t>2021/1/18</a:t>
             </a:fld>
             <a:endParaRPr kumimoji="1" lang="ja-JP" altLang="en-US"/>
           </a:p>
@@ -4827,7 +4828,7 @@
           <a:p>
             <a:fld id="{97763C8A-55E1-42D8-BA3E-9B8EFAB398F7}" type="datetimeFigureOut">
               <a:rPr kumimoji="1" lang="ja-JP" altLang="en-US" smtClean="0"/>
-              <a:t>2021/1/15</a:t>
+              <a:t>2021/1/18</a:t>
             </a:fld>
             <a:endParaRPr kumimoji="1" lang="ja-JP" altLang="en-US"/>
           </a:p>
@@ -5292,7 +5293,7 @@
           <a:p>
             <a:fld id="{97763C8A-55E1-42D8-BA3E-9B8EFAB398F7}" type="datetimeFigureOut">
               <a:rPr kumimoji="1" lang="ja-JP" altLang="en-US" smtClean="0"/>
-              <a:t>2021/1/15</a:t>
+              <a:t>2021/1/18</a:t>
             </a:fld>
             <a:endParaRPr kumimoji="1" lang="ja-JP" altLang="en-US"/>
           </a:p>
@@ -6153,6 +6154,106 @@
 </file>
 
 <file path=ppt/slides/slide2.xml><?xml version="1.0" encoding="utf-8"?>
+<p:sld xmlns:a="http://schemas.openxmlformats.org/drawingml/2006/main" xmlns:r="http://schemas.openxmlformats.org/officeDocument/2006/relationships" xmlns:p="http://schemas.openxmlformats.org/presentationml/2006/main">
+  <p:cSld>
+    <p:spTree>
+      <p:nvGrpSpPr>
+        <p:cNvPr id="1" name=""/>
+        <p:cNvGrpSpPr/>
+        <p:nvPr/>
+      </p:nvGrpSpPr>
+      <p:grpSpPr>
+        <a:xfrm>
+          <a:off x="0" y="0"/>
+          <a:ext cx="0" cy="0"/>
+          <a:chOff x="0" y="0"/>
+          <a:chExt cx="0" cy="0"/>
+        </a:xfrm>
+      </p:grpSpPr>
+      <p:sp>
+        <p:nvSpPr>
+          <p:cNvPr id="2" name="タイトル 1">
+            <a:extLst>
+              <a:ext uri="{FF2B5EF4-FFF2-40B4-BE49-F238E27FC236}">
+                <a16:creationId xmlns:a16="http://schemas.microsoft.com/office/drawing/2014/main" id="{945C24F4-FB32-4F92-88B9-6C276870EF7D}"/>
+              </a:ext>
+            </a:extLst>
+          </p:cNvPr>
+          <p:cNvSpPr>
+            <a:spLocks noGrp="1"/>
+          </p:cNvSpPr>
+          <p:nvPr>
+            <p:ph type="title"/>
+          </p:nvPr>
+        </p:nvSpPr>
+        <p:spPr/>
+        <p:txBody>
+          <a:bodyPr>
+            <a:normAutofit fontScale="90000"/>
+          </a:bodyPr>
+          <a:lstStyle/>
+          <a:p>
+            <a:r>
+              <a:rPr kumimoji="1" lang="ja-JP" altLang="en-US" dirty="0"/>
+              <a:t>材料力学</a:t>
+            </a:r>
+            <a:r>
+              <a:rPr lang="ja-JP" altLang="en-US" dirty="0"/>
+              <a:t>の分野</a:t>
+            </a:r>
+            <a:endParaRPr kumimoji="1" lang="ja-JP" altLang="en-US" dirty="0"/>
+          </a:p>
+        </p:txBody>
+      </p:sp>
+      <p:sp>
+        <p:nvSpPr>
+          <p:cNvPr id="3" name="テキスト ボックス 2">
+            <a:extLst>
+              <a:ext uri="{FF2B5EF4-FFF2-40B4-BE49-F238E27FC236}">
+                <a16:creationId xmlns:a16="http://schemas.microsoft.com/office/drawing/2014/main" id="{67B80B03-77B1-497E-AF67-335168E7A17B}"/>
+              </a:ext>
+            </a:extLst>
+          </p:cNvPr>
+          <p:cNvSpPr txBox="1"/>
+          <p:nvPr/>
+        </p:nvSpPr>
+        <p:spPr>
+          <a:xfrm>
+            <a:off x="3810759" y="689810"/>
+            <a:ext cx="4570482" cy="369332"/>
+          </a:xfrm>
+          <a:prstGeom prst="rect">
+            <a:avLst/>
+          </a:prstGeom>
+          <a:noFill/>
+        </p:spPr>
+        <p:txBody>
+          <a:bodyPr wrap="none" rtlCol="0">
+            <a:spAutoFit/>
+          </a:bodyPr>
+          <a:lstStyle/>
+          <a:p>
+            <a:r>
+              <a:rPr kumimoji="1" lang="ja-JP" altLang="en-US" dirty="0"/>
+              <a:t>主に金属を扱う。力に対する金属の挙動。</a:t>
+            </a:r>
+          </a:p>
+        </p:txBody>
+      </p:sp>
+    </p:spTree>
+    <p:extLst>
+      <p:ext uri="{BB962C8B-B14F-4D97-AF65-F5344CB8AC3E}">
+        <p14:creationId xmlns:p14="http://schemas.microsoft.com/office/powerpoint/2010/main" val="2168980490"/>
+      </p:ext>
+    </p:extLst>
+  </p:cSld>
+  <p:clrMapOvr>
+    <a:masterClrMapping/>
+  </p:clrMapOvr>
+</p:sld>
+</file>
+
+<file path=ppt/slides/slide3.xml><?xml version="1.0" encoding="utf-8"?>
 <p:sld xmlns:a="http://schemas.openxmlformats.org/drawingml/2006/main" xmlns:r="http://schemas.openxmlformats.org/officeDocument/2006/relationships" xmlns:p="http://schemas.openxmlformats.org/presentationml/2006/main">
   <p:cSld>
     <p:spTree>
@@ -7484,7 +7585,7 @@
 </p:sld>
 </file>
 
-<file path=ppt/slides/slide3.xml><?xml version="1.0" encoding="utf-8"?>
+<file path=ppt/slides/slide4.xml><?xml version="1.0" encoding="utf-8"?>
 <p:sld xmlns:a="http://schemas.openxmlformats.org/drawingml/2006/main" xmlns:r="http://schemas.openxmlformats.org/officeDocument/2006/relationships" xmlns:p="http://schemas.openxmlformats.org/presentationml/2006/main">
   <p:cSld>
     <p:spTree>
@@ -9675,8 +9776,8 @@
         </p:blipFill>
         <p:spPr bwMode="auto">
           <a:xfrm>
-            <a:off x="9650684" y="1104704"/>
-            <a:ext cx="2248086" cy="4439197"/>
+            <a:off x="9650684" y="1658973"/>
+            <a:ext cx="1703116" cy="3363068"/>
           </a:xfrm>
           <a:prstGeom prst="rect">
             <a:avLst/>
@@ -9706,7 +9807,7 @@
 </p:sld>
 </file>
 
-<file path=ppt/slides/slide4.xml><?xml version="1.0" encoding="utf-8"?>
+<file path=ppt/slides/slide5.xml><?xml version="1.0" encoding="utf-8"?>
 <p:sld xmlns:a="http://schemas.openxmlformats.org/drawingml/2006/main" xmlns:r="http://schemas.openxmlformats.org/officeDocument/2006/relationships" xmlns:p="http://schemas.openxmlformats.org/presentationml/2006/main">
   <p:cSld>
     <p:spTree>
@@ -13445,7 +13546,7 @@
 </p:sld>
 </file>
 
-<file path=ppt/slides/slide5.xml><?xml version="1.0" encoding="utf-8"?>
+<file path=ppt/slides/slide6.xml><?xml version="1.0" encoding="utf-8"?>
 <p:sld xmlns:a="http://schemas.openxmlformats.org/drawingml/2006/main" xmlns:r="http://schemas.openxmlformats.org/officeDocument/2006/relationships" xmlns:p="http://schemas.openxmlformats.org/presentationml/2006/main">
   <p:cSld>
     <p:spTree>
@@ -22136,7 +22237,7 @@
 </p:sld>
 </file>
 
-<file path=ppt/slides/slide6.xml><?xml version="1.0" encoding="utf-8"?>
+<file path=ppt/slides/slide7.xml><?xml version="1.0" encoding="utf-8"?>
 <p:sld xmlns:a="http://schemas.openxmlformats.org/drawingml/2006/main" xmlns:r="http://schemas.openxmlformats.org/officeDocument/2006/relationships" xmlns:p="http://schemas.openxmlformats.org/presentationml/2006/main">
   <p:cSld>
     <p:spTree>
@@ -22204,7 +22305,7 @@
 </p:sld>
 </file>
 
-<file path=ppt/slides/slide7.xml><?xml version="1.0" encoding="utf-8"?>
+<file path=ppt/slides/slide8.xml><?xml version="1.0" encoding="utf-8"?>
 <p:sld xmlns:a="http://schemas.openxmlformats.org/drawingml/2006/main" xmlns:r="http://schemas.openxmlformats.org/officeDocument/2006/relationships" xmlns:p="http://schemas.openxmlformats.org/presentationml/2006/main">
   <p:cSld>
     <p:spTree>
@@ -22414,8 +22515,8 @@
           </a:p>
         </p:txBody>
       </p:sp>
-      <mc:AlternateContent xmlns:mc="http://schemas.openxmlformats.org/markup-compatibility/2006">
-        <mc:Choice xmlns:a14="http://schemas.microsoft.com/office/drawing/2010/main" Requires="a14">
+      <mc:AlternateContent xmlns:mc="http://schemas.openxmlformats.org/markup-compatibility/2006" xmlns:a14="http://schemas.microsoft.com/office/drawing/2010/main">
+        <mc:Choice Requires="a14">
           <p:sp>
             <p:nvSpPr>
               <p:cNvPr id="9" name="テキスト ボックス 8">
@@ -22508,7 +22609,7 @@
             </p:txBody>
           </p:sp>
         </mc:Choice>
-        <mc:Fallback>
+        <mc:Fallback xmlns="">
           <p:sp>
             <p:nvSpPr>
               <p:cNvPr id="9" name="テキスト ボックス 8">
@@ -22553,8 +22654,8 @@
           </p:sp>
         </mc:Fallback>
       </mc:AlternateContent>
-      <mc:AlternateContent xmlns:mc="http://schemas.openxmlformats.org/markup-compatibility/2006">
-        <mc:Choice xmlns:a14="http://schemas.microsoft.com/office/drawing/2010/main" Requires="a14">
+      <mc:AlternateContent xmlns:mc="http://schemas.openxmlformats.org/markup-compatibility/2006" xmlns:a14="http://schemas.microsoft.com/office/drawing/2010/main">
+        <mc:Choice Requires="a14">
           <p:sp>
             <p:nvSpPr>
               <p:cNvPr id="10" name="テキスト ボックス 9">
@@ -22647,7 +22748,7 @@
             </p:txBody>
           </p:sp>
         </mc:Choice>
-        <mc:Fallback>
+        <mc:Fallback xmlns="">
           <p:sp>
             <p:nvSpPr>
               <p:cNvPr id="10" name="テキスト ボックス 9">
@@ -22905,7 +23006,7 @@
 </p:sld>
 </file>
 
-<file path=ppt/slides/slide8.xml><?xml version="1.0" encoding="utf-8"?>
+<file path=ppt/slides/slide9.xml><?xml version="1.0" encoding="utf-8"?>
 <p:sld xmlns:a="http://schemas.openxmlformats.org/drawingml/2006/main" xmlns:r="http://schemas.openxmlformats.org/officeDocument/2006/relationships" xmlns:p="http://schemas.openxmlformats.org/presentationml/2006/main">
   <p:cSld>
     <p:spTree>
@@ -22966,8 +23067,8 @@
         </p:nvSpPr>
         <p:spPr>
           <a:xfrm>
-            <a:off x="621323" y="1242592"/>
-            <a:ext cx="9231238" cy="338554"/>
+            <a:off x="621322" y="1220446"/>
+            <a:ext cx="10972801" cy="1538883"/>
           </a:xfrm>
           <a:prstGeom prst="rect">
             <a:avLst/>
@@ -22980,6 +23081,11 @@
           </a:bodyPr>
           <a:lstStyle/>
           <a:p>
+            <a:pPr>
+              <a:lnSpc>
+                <a:spcPct val="150000"/>
+              </a:lnSpc>
+            </a:pPr>
             <a:r>
               <a:rPr lang="ja-JP" altLang="en-US" sz="1600" dirty="0">
                 <a:latin typeface="メイリオ" panose="020B0604030504040204" pitchFamily="50" charset="-128"/>
@@ -23009,36 +23115,12 @@
               <a:t>(J. of JSEE), 53-4</a:t>
             </a:r>
           </a:p>
-        </p:txBody>
-      </p:sp>
-      <p:sp>
-        <p:nvSpPr>
-          <p:cNvPr id="6" name="テキスト ボックス 5">
-            <a:extLst>
-              <a:ext uri="{FF2B5EF4-FFF2-40B4-BE49-F238E27FC236}">
-                <a16:creationId xmlns:a16="http://schemas.microsoft.com/office/drawing/2014/main" id="{422E9303-3561-469C-BA8C-9A0103421D03}"/>
-              </a:ext>
-            </a:extLst>
-          </p:cNvPr>
-          <p:cNvSpPr txBox="1"/>
-          <p:nvPr/>
-        </p:nvSpPr>
-        <p:spPr>
-          <a:xfrm>
-            <a:off x="621322" y="1581146"/>
-            <a:ext cx="11265878" cy="338554"/>
-          </a:xfrm>
-          <a:prstGeom prst="rect">
-            <a:avLst/>
-          </a:prstGeom>
-          <a:noFill/>
-        </p:spPr>
-        <p:txBody>
-          <a:bodyPr wrap="square">
-            <a:spAutoFit/>
-          </a:bodyPr>
-          <a:lstStyle/>
           <a:p>
+            <a:pPr>
+              <a:lnSpc>
+                <a:spcPct val="150000"/>
+              </a:lnSpc>
+            </a:pPr>
             <a:r>
               <a:rPr lang="ja-JP" altLang="en-US" sz="1600" dirty="0">
                 <a:latin typeface="メイリオ" panose="020B0604030504040204" pitchFamily="50" charset="-128"/>
@@ -23081,7 +23163,120 @@
               </a:rPr>
               <a:t>教科教育学篇</a:t>
             </a:r>
+            <a:endParaRPr lang="en-US" altLang="zh-CN" sz="1600" dirty="0">
+              <a:latin typeface="メイリオ" panose="020B0604030504040204" pitchFamily="50" charset="-128"/>
+              <a:ea typeface="メイリオ" panose="020B0604030504040204" pitchFamily="50" charset="-128"/>
+            </a:endParaRPr>
+          </a:p>
+          <a:p>
+            <a:pPr>
+              <a:lnSpc>
+                <a:spcPct val="150000"/>
+              </a:lnSpc>
+            </a:pPr>
+            <a:r>
+              <a:rPr lang="ja-JP" altLang="en-US" sz="1600" dirty="0">
+                <a:latin typeface="メイリオ" panose="020B0604030504040204" pitchFamily="50" charset="-128"/>
+                <a:ea typeface="メイリオ" panose="020B0604030504040204" pitchFamily="50" charset="-128"/>
+              </a:rPr>
+              <a:t>・竹園　</a:t>
+            </a:r>
+            <a:r>
+              <a:rPr lang="en-US" altLang="ja-JP" sz="1600" dirty="0">
+                <a:latin typeface="メイリオ" panose="020B0604030504040204" pitchFamily="50" charset="-128"/>
+                <a:ea typeface="メイリオ" panose="020B0604030504040204" pitchFamily="50" charset="-128"/>
+              </a:rPr>
+              <a:t>(1992).</a:t>
+            </a:r>
+            <a:r>
+              <a:rPr lang="ja-JP" altLang="en-US" sz="1600" dirty="0">
+                <a:latin typeface="メイリオ" panose="020B0604030504040204" pitchFamily="50" charset="-128"/>
+                <a:ea typeface="メイリオ" panose="020B0604030504040204" pitchFamily="50" charset="-128"/>
+              </a:rPr>
+              <a:t>　基礎材料力学第</a:t>
+            </a:r>
+            <a:r>
+              <a:rPr lang="en-US" altLang="ja-JP" sz="1600" dirty="0">
+                <a:latin typeface="メイリオ" panose="020B0604030504040204" pitchFamily="50" charset="-128"/>
+                <a:ea typeface="メイリオ" panose="020B0604030504040204" pitchFamily="50" charset="-128"/>
+              </a:rPr>
+              <a:t>6</a:t>
+            </a:r>
+            <a:r>
+              <a:rPr lang="ja-JP" altLang="en-US" sz="1600" dirty="0">
+                <a:latin typeface="メイリオ" panose="020B0604030504040204" pitchFamily="50" charset="-128"/>
+                <a:ea typeface="メイリオ" panose="020B0604030504040204" pitchFamily="50" charset="-128"/>
+              </a:rPr>
+              <a:t>刷　朝倉書店</a:t>
+            </a:r>
             <a:endParaRPr lang="en-US" altLang="ja-JP" sz="1600" dirty="0">
+              <a:latin typeface="メイリオ" panose="020B0604030504040204" pitchFamily="50" charset="-128"/>
+              <a:ea typeface="メイリオ" panose="020B0604030504040204" pitchFamily="50" charset="-128"/>
+            </a:endParaRPr>
+          </a:p>
+          <a:p>
+            <a:pPr>
+              <a:lnSpc>
+                <a:spcPct val="150000"/>
+              </a:lnSpc>
+            </a:pPr>
+            <a:r>
+              <a:rPr lang="ja-JP" altLang="en-US" sz="1600" dirty="0">
+                <a:latin typeface="メイリオ" panose="020B0604030504040204" pitchFamily="50" charset="-128"/>
+                <a:ea typeface="メイリオ" panose="020B0604030504040204" pitchFamily="50" charset="-128"/>
+              </a:rPr>
+              <a:t>・小沢　</a:t>
+            </a:r>
+            <a:r>
+              <a:rPr lang="en-US" altLang="ja-JP" sz="1600" dirty="0">
+                <a:latin typeface="メイリオ" panose="020B0604030504040204" pitchFamily="50" charset="-128"/>
+                <a:ea typeface="メイリオ" panose="020B0604030504040204" pitchFamily="50" charset="-128"/>
+              </a:rPr>
+              <a:t>(1965).</a:t>
+            </a:r>
+            <a:r>
+              <a:rPr lang="ja-JP" altLang="en-US" sz="1600" dirty="0">
+                <a:latin typeface="メイリオ" panose="020B0604030504040204" pitchFamily="50" charset="-128"/>
+                <a:ea typeface="メイリオ" panose="020B0604030504040204" pitchFamily="50" charset="-128"/>
+              </a:rPr>
+              <a:t>　内圧管のクリープおよび破壊試験結果と設計基準　</a:t>
+            </a:r>
+            <a:r>
+              <a:rPr lang="zh-CN" altLang="en-US" sz="1600" dirty="0">
+                <a:latin typeface="メイリオ" panose="020B0604030504040204" pitchFamily="50" charset="-128"/>
+                <a:ea typeface="メイリオ" panose="020B0604030504040204" pitchFamily="50" charset="-128"/>
+              </a:rPr>
+              <a:t>高圧力第</a:t>
+            </a:r>
+            <a:r>
+              <a:rPr lang="en-US" altLang="zh-CN" sz="1600" dirty="0">
+                <a:latin typeface="メイリオ" panose="020B0604030504040204" pitchFamily="50" charset="-128"/>
+                <a:ea typeface="メイリオ" panose="020B0604030504040204" pitchFamily="50" charset="-128"/>
+              </a:rPr>
+              <a:t>3</a:t>
+            </a:r>
+            <a:r>
+              <a:rPr lang="zh-CN" altLang="en-US" sz="1600" dirty="0">
+                <a:latin typeface="メイリオ" panose="020B0604030504040204" pitchFamily="50" charset="-128"/>
+                <a:ea typeface="メイリオ" panose="020B0604030504040204" pitchFamily="50" charset="-128"/>
+              </a:rPr>
+              <a:t>巻第</a:t>
+            </a:r>
+            <a:r>
+              <a:rPr lang="en-US" altLang="zh-CN" sz="1600" dirty="0">
+                <a:latin typeface="メイリオ" panose="020B0604030504040204" pitchFamily="50" charset="-128"/>
+                <a:ea typeface="メイリオ" panose="020B0604030504040204" pitchFamily="50" charset="-128"/>
+              </a:rPr>
+              <a:t>4</a:t>
+            </a:r>
+            <a:r>
+              <a:rPr lang="zh-CN" altLang="en-US" sz="1600" dirty="0">
+                <a:latin typeface="メイリオ" panose="020B0604030504040204" pitchFamily="50" charset="-128"/>
+                <a:ea typeface="メイリオ" panose="020B0604030504040204" pitchFamily="50" charset="-128"/>
+              </a:rPr>
+              <a:t>号</a:t>
+            </a:r>
+            <a:endParaRPr lang="en-US" altLang="zh-CN" sz="1600" dirty="0">
               <a:latin typeface="メイリオ" panose="020B0604030504040204" pitchFamily="50" charset="-128"/>
               <a:ea typeface="メイリオ" panose="020B0604030504040204" pitchFamily="50" charset="-128"/>
             </a:endParaRPr>
@@ -23658,12 +23853,9 @@
 </file>
 
 <file path=customXml/item1.xml><?xml version="1.0" encoding="utf-8"?>
-<?mso-contentType ?>
-<FormTemplates xmlns="http://schemas.microsoft.com/sharepoint/v3/contenttype/forms">
-  <Display>DocumentLibraryForm</Display>
-  <Edit>DocumentLibraryForm</Edit>
-  <New>DocumentLibraryForm</New>
-</FormTemplates>
+<p:properties xmlns:p="http://schemas.microsoft.com/office/2006/metadata/properties" xmlns:xsi="http://www.w3.org/2001/XMLSchema-instance" xmlns:pc="http://schemas.microsoft.com/office/infopath/2007/PartnerControls">
+  <documentManagement/>
+</p:properties>
 </file>
 
 <file path=customXml/item2.xml><?xml version="1.0" encoding="utf-8"?>
@@ -23781,15 +23973,25 @@
 </file>
 
 <file path=customXml/item3.xml><?xml version="1.0" encoding="utf-8"?>
-<p:properties xmlns:p="http://schemas.microsoft.com/office/2006/metadata/properties" xmlns:xsi="http://www.w3.org/2001/XMLSchema-instance" xmlns:pc="http://schemas.microsoft.com/office/infopath/2007/PartnerControls">
-  <documentManagement/>
-</p:properties>
+<?mso-contentType ?>
+<FormTemplates xmlns="http://schemas.microsoft.com/sharepoint/v3/contenttype/forms">
+  <Display>DocumentLibraryForm</Display>
+  <Edit>DocumentLibraryForm</Edit>
+  <New>DocumentLibraryForm</New>
+</FormTemplates>
 </file>
 
 <file path=customXml/itemProps1.xml><?xml version="1.0" encoding="utf-8"?>
-<ds:datastoreItem xmlns:ds="http://schemas.openxmlformats.org/officeDocument/2006/customXml" ds:itemID="{8FBB0A22-64F9-431D-A102-1F0A0370A91D}">
+<ds:datastoreItem xmlns:ds="http://schemas.openxmlformats.org/officeDocument/2006/customXml" ds:itemID="{B4D5EAB3-BC3B-4B38-89E7-AB23E9DDB4CF}">
   <ds:schemaRefs>
-    <ds:schemaRef ds:uri="http://schemas.microsoft.com/sharepoint/v3/contenttype/forms"/>
+    <ds:schemaRef ds:uri="http://purl.org/dc/elements/1.1/"/>
+    <ds:schemaRef ds:uri="http://schemas.microsoft.com/office/2006/metadata/properties"/>
+    <ds:schemaRef ds:uri="http://purl.org/dc/terms/"/>
+    <ds:schemaRef ds:uri="http://schemas.openxmlformats.org/package/2006/metadata/core-properties"/>
+    <ds:schemaRef ds:uri="http://purl.org/dc/dcmitype/"/>
+    <ds:schemaRef ds:uri="http://schemas.microsoft.com/office/2006/documentManagement/types"/>
+    <ds:schemaRef ds:uri="http://schemas.microsoft.com/office/infopath/2007/PartnerControls"/>
+    <ds:schemaRef ds:uri="http://www.w3.org/XML/1998/namespace"/>
   </ds:schemaRefs>
 </ds:datastoreItem>
 </file>
@@ -23811,16 +24013,9 @@
 </file>
 
 <file path=customXml/itemProps3.xml><?xml version="1.0" encoding="utf-8"?>
-<ds:datastoreItem xmlns:ds="http://schemas.openxmlformats.org/officeDocument/2006/customXml" ds:itemID="{B4D5EAB3-BC3B-4B38-89E7-AB23E9DDB4CF}">
+<ds:datastoreItem xmlns:ds="http://schemas.openxmlformats.org/officeDocument/2006/customXml" ds:itemID="{8FBB0A22-64F9-431D-A102-1F0A0370A91D}">
   <ds:schemaRefs>
-    <ds:schemaRef ds:uri="http://purl.org/dc/elements/1.1/"/>
-    <ds:schemaRef ds:uri="http://schemas.microsoft.com/office/2006/metadata/properties"/>
-    <ds:schemaRef ds:uri="http://purl.org/dc/terms/"/>
-    <ds:schemaRef ds:uri="http://schemas.openxmlformats.org/package/2006/metadata/core-properties"/>
-    <ds:schemaRef ds:uri="http://purl.org/dc/dcmitype/"/>
-    <ds:schemaRef ds:uri="http://schemas.microsoft.com/office/2006/documentManagement/types"/>
-    <ds:schemaRef ds:uri="http://schemas.microsoft.com/office/infopath/2007/PartnerControls"/>
-    <ds:schemaRef ds:uri="http://www.w3.org/XML/1998/namespace"/>
+    <ds:schemaRef ds:uri="http://schemas.microsoft.com/sharepoint/v3/contenttype/forms"/>
   </ds:schemaRefs>
 </ds:datastoreItem>
 </file>